--- a/Capstone1_US-Wildfire-Prediction/Final Project Report/US_WildFires_Project.pptx
+++ b/Capstone1_US-Wildfire-Prediction/Final Project Report/US_WildFires_Project.pptx
@@ -137,14 +137,6 @@
     </a:lvl9pPr>
   </p:defaultTextStyle>
 </p:presentation>
-</file>
-
-<file path=ppt/revisionInfo.xml><?xml version="1.0" encoding="utf-8"?>
-<p1510:revInfo xmlns:a="http://schemas.openxmlformats.org/drawingml/2006/main" xmlns:r="http://schemas.openxmlformats.org/officeDocument/2006/relationships" xmlns:p1510="http://schemas.microsoft.com/office/powerpoint/2015/10/main">
-  <p1510:revLst>
-    <p1510:client id="{59FA7195-DDE3-455A-BC01-CD1842D413D6}" v="84" dt="2020-09-01T07:57:15.574"/>
-  </p1510:revLst>
-</p1510:revInfo>
 </file>
 
 <file path=ppt/slideLayouts/slideLayout1.xml><?xml version="1.0" encoding="utf-8"?>
